--- a/files/CogPsychDay16.pptx
+++ b/files/CogPsychDay16.pptx
@@ -64,14 +64,14 @@
   <p:notesSz cx="6858000" cy="9144000"/>
   <p:embeddedFontLst>
     <p:embeddedFont>
-      <p:font typeface="Calibri" panose="020F0502020204030204" pitchFamily="34" charset="0"/>
+      <p:font typeface="Lato" panose="020B0604020202020204" charset="0"/>
       <p:regular r:id="rId54"/>
       <p:bold r:id="rId55"/>
       <p:italic r:id="rId56"/>
       <p:boldItalic r:id="rId57"/>
     </p:embeddedFont>
     <p:embeddedFont>
-      <p:font typeface="Lato" panose="020F0502020204030203" pitchFamily="34" charset="0"/>
+      <p:font typeface="Calibri" panose="020F0502020204030204" pitchFamily="34" charset="0"/>
       <p:regular r:id="rId58"/>
       <p:bold r:id="rId59"/>
       <p:italic r:id="rId60"/>
@@ -801,8 +801,8 @@
         </p:nvSpPr>
         <p:spPr>
           <a:xfrm>
-            <a:off x="381300" y="685800"/>
-            <a:ext cx="6096075" cy="3429000"/>
+            <a:off x="381000" y="685800"/>
+            <a:ext cx="6096000" cy="3429000"/>
           </a:xfrm>
           <a:custGeom>
             <a:avLst/>
@@ -905,7 +905,7 @@
         </p:nvSpPr>
         <p:spPr>
           <a:xfrm>
-            <a:off x="381300" y="685800"/>
+            <a:off x="381000" y="685800"/>
             <a:ext cx="6096000" cy="3429000"/>
           </a:xfrm>
           <a:custGeom>
@@ -1190,7 +1190,7 @@
         </p:nvSpPr>
         <p:spPr>
           <a:xfrm>
-            <a:off x="381300" y="685800"/>
+            <a:off x="381000" y="685800"/>
             <a:ext cx="6096000" cy="3429000"/>
           </a:xfrm>
           <a:custGeom>
@@ -1568,7 +1568,7 @@
         </p:nvSpPr>
         <p:spPr>
           <a:xfrm>
-            <a:off x="381300" y="685800"/>
+            <a:off x="381000" y="685800"/>
             <a:ext cx="6096000" cy="3429000"/>
           </a:xfrm>
           <a:custGeom>
@@ -2025,7 +2025,7 @@
         </p:nvSpPr>
         <p:spPr>
           <a:xfrm>
-            <a:off x="381300" y="685800"/>
+            <a:off x="381000" y="685800"/>
             <a:ext cx="6096000" cy="3429000"/>
           </a:xfrm>
           <a:custGeom>
@@ -2269,7 +2269,7 @@
         </p:nvSpPr>
         <p:spPr>
           <a:xfrm>
-            <a:off x="381300" y="685800"/>
+            <a:off x="381000" y="685800"/>
             <a:ext cx="6096000" cy="3429000"/>
           </a:xfrm>
           <a:custGeom>
@@ -2513,7 +2513,7 @@
         </p:nvSpPr>
         <p:spPr>
           <a:xfrm>
-            <a:off x="381300" y="685800"/>
+            <a:off x="381000" y="685800"/>
             <a:ext cx="6096000" cy="3429000"/>
           </a:xfrm>
           <a:custGeom>
@@ -2757,7 +2757,7 @@
         </p:nvSpPr>
         <p:spPr>
           <a:xfrm>
-            <a:off x="381300" y="685800"/>
+            <a:off x="381000" y="685800"/>
             <a:ext cx="6096000" cy="3429000"/>
           </a:xfrm>
           <a:custGeom>
@@ -2929,7 +2929,7 @@
         </p:nvSpPr>
         <p:spPr>
           <a:xfrm>
-            <a:off x="381300" y="685800"/>
+            <a:off x="381000" y="685800"/>
             <a:ext cx="6096000" cy="3429000"/>
           </a:xfrm>
           <a:custGeom>
@@ -3101,7 +3101,7 @@
         </p:nvSpPr>
         <p:spPr>
           <a:xfrm>
-            <a:off x="381300" y="685800"/>
+            <a:off x="381000" y="685800"/>
             <a:ext cx="6096000" cy="3429000"/>
           </a:xfrm>
           <a:custGeom>
@@ -3205,7 +3205,7 @@
         </p:nvSpPr>
         <p:spPr>
           <a:xfrm>
-            <a:off x="381300" y="685800"/>
+            <a:off x="381000" y="685800"/>
             <a:ext cx="6096000" cy="3429000"/>
           </a:xfrm>
           <a:custGeom>
@@ -3309,7 +3309,7 @@
         </p:nvSpPr>
         <p:spPr>
           <a:xfrm>
-            <a:off x="381300" y="685800"/>
+            <a:off x="381000" y="685800"/>
             <a:ext cx="6096000" cy="3429000"/>
           </a:xfrm>
           <a:custGeom>
@@ -3426,7 +3426,7 @@
         </p:nvSpPr>
         <p:spPr>
           <a:xfrm>
-            <a:off x="381300" y="685800"/>
+            <a:off x="381000" y="685800"/>
             <a:ext cx="6096000" cy="3429000"/>
           </a:xfrm>
           <a:custGeom>
@@ -3612,7 +3612,7 @@
         </p:nvSpPr>
         <p:spPr>
           <a:xfrm>
-            <a:off x="381300" y="685800"/>
+            <a:off x="381000" y="685800"/>
             <a:ext cx="6096000" cy="3429000"/>
           </a:xfrm>
           <a:custGeom>
@@ -3716,7 +3716,7 @@
         </p:nvSpPr>
         <p:spPr>
           <a:xfrm>
-            <a:off x="381300" y="685800"/>
+            <a:off x="381000" y="685800"/>
             <a:ext cx="6096000" cy="3429000"/>
           </a:xfrm>
           <a:custGeom>
@@ -3903,7 +3903,7 @@
         </p:nvSpPr>
         <p:spPr>
           <a:xfrm>
-            <a:off x="381300" y="685800"/>
+            <a:off x="381000" y="685800"/>
             <a:ext cx="6096000" cy="3429000"/>
           </a:xfrm>
           <a:custGeom>
@@ -4016,7 +4016,7 @@
         </p:nvSpPr>
         <p:spPr>
           <a:xfrm>
-            <a:off x="381300" y="685800"/>
+            <a:off x="381000" y="685800"/>
             <a:ext cx="6096000" cy="3429000"/>
           </a:xfrm>
           <a:custGeom>
@@ -4157,7 +4157,7 @@
         </p:nvSpPr>
         <p:spPr>
           <a:xfrm>
-            <a:off x="381300" y="685800"/>
+            <a:off x="381000" y="685800"/>
             <a:ext cx="6096000" cy="3429000"/>
           </a:xfrm>
           <a:custGeom>
@@ -4261,7 +4261,7 @@
         </p:nvSpPr>
         <p:spPr>
           <a:xfrm>
-            <a:off x="381300" y="685800"/>
+            <a:off x="381000" y="685800"/>
             <a:ext cx="6096000" cy="3429000"/>
           </a:xfrm>
           <a:custGeom>
@@ -4553,7 +4553,7 @@
         </p:nvSpPr>
         <p:spPr>
           <a:xfrm>
-            <a:off x="381300" y="685800"/>
+            <a:off x="381000" y="685800"/>
             <a:ext cx="6096000" cy="3429000"/>
           </a:xfrm>
           <a:custGeom>
@@ -4729,7 +4729,7 @@
         </p:nvSpPr>
         <p:spPr>
           <a:xfrm>
-            <a:off x="381300" y="685800"/>
+            <a:off x="381000" y="685800"/>
             <a:ext cx="6096000" cy="3429000"/>
           </a:xfrm>
           <a:custGeom>
@@ -4833,7 +4833,7 @@
         </p:nvSpPr>
         <p:spPr>
           <a:xfrm>
-            <a:off x="381300" y="685800"/>
+            <a:off x="381000" y="685800"/>
             <a:ext cx="6096000" cy="3429000"/>
           </a:xfrm>
           <a:custGeom>
@@ -4937,7 +4937,7 @@
         </p:nvSpPr>
         <p:spPr>
           <a:xfrm>
-            <a:off x="381300" y="685800"/>
+            <a:off x="381000" y="685800"/>
             <a:ext cx="6096000" cy="3429000"/>
           </a:xfrm>
           <a:custGeom>
@@ -5041,7 +5041,7 @@
         </p:nvSpPr>
         <p:spPr>
           <a:xfrm>
-            <a:off x="381300" y="685800"/>
+            <a:off x="381000" y="685800"/>
             <a:ext cx="6096000" cy="3429000"/>
           </a:xfrm>
           <a:custGeom>
@@ -5145,7 +5145,7 @@
         </p:nvSpPr>
         <p:spPr>
           <a:xfrm>
-            <a:off x="381300" y="685800"/>
+            <a:off x="381000" y="685800"/>
             <a:ext cx="6096000" cy="3429000"/>
           </a:xfrm>
           <a:custGeom>
@@ -5249,7 +5249,7 @@
         </p:nvSpPr>
         <p:spPr>
           <a:xfrm>
-            <a:off x="381300" y="685800"/>
+            <a:off x="381000" y="685800"/>
             <a:ext cx="6096000" cy="3429000"/>
           </a:xfrm>
           <a:custGeom>
@@ -5389,7 +5389,7 @@
         </p:nvSpPr>
         <p:spPr>
           <a:xfrm>
-            <a:off x="381300" y="685800"/>
+            <a:off x="381000" y="685800"/>
             <a:ext cx="6096000" cy="3429000"/>
           </a:xfrm>
           <a:custGeom>
@@ -5548,7 +5548,7 @@
         </p:nvSpPr>
         <p:spPr>
           <a:xfrm>
-            <a:off x="381300" y="685800"/>
+            <a:off x="381000" y="685800"/>
             <a:ext cx="6096000" cy="3429000"/>
           </a:xfrm>
           <a:custGeom>
@@ -5652,7 +5652,7 @@
         </p:nvSpPr>
         <p:spPr>
           <a:xfrm>
-            <a:off x="381300" y="685800"/>
+            <a:off x="381000" y="685800"/>
             <a:ext cx="6096000" cy="3429000"/>
           </a:xfrm>
           <a:custGeom>
@@ -5756,7 +5756,7 @@
         </p:nvSpPr>
         <p:spPr>
           <a:xfrm>
-            <a:off x="381300" y="685800"/>
+            <a:off x="381000" y="685800"/>
             <a:ext cx="6096000" cy="3429000"/>
           </a:xfrm>
           <a:custGeom>
@@ -5967,7 +5967,7 @@
         </p:nvSpPr>
         <p:spPr>
           <a:xfrm>
-            <a:off x="381300" y="685800"/>
+            <a:off x="381000" y="685800"/>
             <a:ext cx="6096000" cy="3429000"/>
           </a:xfrm>
           <a:custGeom>
@@ -6071,7 +6071,7 @@
         </p:nvSpPr>
         <p:spPr>
           <a:xfrm>
-            <a:off x="381300" y="685800"/>
+            <a:off x="381000" y="685800"/>
             <a:ext cx="6096000" cy="3429000"/>
           </a:xfrm>
           <a:custGeom>
@@ -6175,7 +6175,7 @@
         </p:nvSpPr>
         <p:spPr>
           <a:xfrm>
-            <a:off x="381300" y="685800"/>
+            <a:off x="381000" y="685800"/>
             <a:ext cx="6096000" cy="3429000"/>
           </a:xfrm>
           <a:custGeom>
@@ -6284,7 +6284,7 @@
         </p:nvSpPr>
         <p:spPr>
           <a:xfrm>
-            <a:off x="381300" y="685800"/>
+            <a:off x="381000" y="685800"/>
             <a:ext cx="6096000" cy="3429000"/>
           </a:xfrm>
           <a:custGeom>
@@ -6388,7 +6388,7 @@
         </p:nvSpPr>
         <p:spPr>
           <a:xfrm>
-            <a:off x="381300" y="685800"/>
+            <a:off x="381000" y="685800"/>
             <a:ext cx="6096000" cy="3429000"/>
           </a:xfrm>
           <a:custGeom>
@@ -6492,7 +6492,7 @@
         </p:nvSpPr>
         <p:spPr>
           <a:xfrm>
-            <a:off x="381300" y="685800"/>
+            <a:off x="381000" y="685800"/>
             <a:ext cx="6096000" cy="3429000"/>
           </a:xfrm>
           <a:custGeom>
@@ -6596,7 +6596,7 @@
         </p:nvSpPr>
         <p:spPr>
           <a:xfrm>
-            <a:off x="381300" y="685800"/>
+            <a:off x="381000" y="685800"/>
             <a:ext cx="6096000" cy="3429000"/>
           </a:xfrm>
           <a:custGeom>
@@ -6700,7 +6700,7 @@
         </p:nvSpPr>
         <p:spPr>
           <a:xfrm>
-            <a:off x="381300" y="685800"/>
+            <a:off x="381000" y="685800"/>
             <a:ext cx="6096000" cy="3429000"/>
           </a:xfrm>
           <a:custGeom>
@@ -6804,7 +6804,7 @@
         </p:nvSpPr>
         <p:spPr>
           <a:xfrm>
-            <a:off x="381300" y="685800"/>
+            <a:off x="381000" y="685800"/>
             <a:ext cx="6096000" cy="3429000"/>
           </a:xfrm>
           <a:custGeom>
@@ -6908,7 +6908,7 @@
         </p:nvSpPr>
         <p:spPr>
           <a:xfrm>
-            <a:off x="381300" y="685800"/>
+            <a:off x="381000" y="685800"/>
             <a:ext cx="6096000" cy="3429000"/>
           </a:xfrm>
           <a:custGeom>
@@ -7012,7 +7012,7 @@
         </p:nvSpPr>
         <p:spPr>
           <a:xfrm>
-            <a:off x="381300" y="685800"/>
+            <a:off x="381000" y="685800"/>
             <a:ext cx="6096000" cy="3429000"/>
           </a:xfrm>
           <a:custGeom>
@@ -7116,7 +7116,7 @@
         </p:nvSpPr>
         <p:spPr>
           <a:xfrm>
-            <a:off x="381300" y="685800"/>
+            <a:off x="381000" y="685800"/>
             <a:ext cx="6096000" cy="3429000"/>
           </a:xfrm>
           <a:custGeom>
@@ -7220,7 +7220,7 @@
         </p:nvSpPr>
         <p:spPr>
           <a:xfrm>
-            <a:off x="381300" y="685800"/>
+            <a:off x="381000" y="685800"/>
             <a:ext cx="6096000" cy="3429000"/>
           </a:xfrm>
           <a:custGeom>
@@ -7324,7 +7324,7 @@
         </p:nvSpPr>
         <p:spPr>
           <a:xfrm>
-            <a:off x="381300" y="685800"/>
+            <a:off x="381000" y="685800"/>
             <a:ext cx="6096000" cy="3429000"/>
           </a:xfrm>
           <a:custGeom>
@@ -7432,7 +7432,7 @@
         </p:nvSpPr>
         <p:spPr>
           <a:xfrm>
-            <a:off x="381300" y="685800"/>
+            <a:off x="381000" y="685800"/>
             <a:ext cx="6096000" cy="3429000"/>
           </a:xfrm>
           <a:custGeom>
@@ -7536,7 +7536,7 @@
         </p:nvSpPr>
         <p:spPr>
           <a:xfrm>
-            <a:off x="381300" y="685800"/>
+            <a:off x="381000" y="685800"/>
             <a:ext cx="6096000" cy="3429000"/>
           </a:xfrm>
           <a:custGeom>
@@ -7640,7 +7640,7 @@
         </p:nvSpPr>
         <p:spPr>
           <a:xfrm>
-            <a:off x="381300" y="685800"/>
+            <a:off x="381000" y="685800"/>
             <a:ext cx="6096000" cy="3429000"/>
           </a:xfrm>
           <a:custGeom>
@@ -7712,6 +7712,18 @@
               <a:buNone/>
             </a:pPr>
             <a:r>
+              <a:rPr lang="en" sz="1200" dirty="0">
+                <a:solidFill>
+                  <a:schemeClr val="dk1"/>
+                </a:solidFill>
+                <a:latin typeface="Calibri"/>
+                <a:ea typeface="Calibri"/>
+                <a:cs typeface="Calibri"/>
+                <a:sym typeface="Calibri"/>
+              </a:rPr>
+              <a:t>Beth and I did a live demo of the endowment effect in class. She bought a couple Duke mugs from the bookstore and gave them to randomly selected students in class. Then we asked the students who received the mugs how much they would sell their mug for. We also asked other students how much they would pay to buy one of those mugs. It worked perfectly, as the mug owners wanted a lot more money for their mugs than other students were willing to pay</a:t>
+            </a:r>
+            <a:r>
               <a:rPr lang="en" sz="1200">
                 <a:solidFill>
                   <a:schemeClr val="dk1"/>
@@ -7721,9 +7733,9 @@
                 <a:cs typeface="Calibri"/>
                 <a:sym typeface="Calibri"/>
               </a:rPr>
-              <a:t>Beth and I did a live demo of the endowment effect in class. She bought a couple Duke mugs from the bookstore and gave them to randomly selected students in class. Then we asked the students who received the mugs how much they would sell their mug for. We also asked other students how much they would pay to buy one of those mugs. It worked perfectly, as the mug owners wanted a lot more money for their mugs than other students were willing to pay.  And of course, the students loved getting free mugs. (This should also work with something cheaper!)</a:t>
-            </a:r>
-            <a:endParaRPr sz="1200">
+              <a:t>.  </a:t>
+            </a:r>
+            <a:endParaRPr sz="1200" dirty="0">
               <a:solidFill>
                 <a:schemeClr val="dk1"/>
               </a:solidFill>
@@ -7732,121 +7744,6 @@
               <a:cs typeface="Calibri"/>
               <a:sym typeface="Calibri"/>
             </a:endParaRPr>
-          </a:p>
-          <a:p>
-            <a:pPr marL="0" lvl="0" indent="0" algn="l" rtl="0">
-              <a:lnSpc>
-                <a:spcPct val="115000"/>
-              </a:lnSpc>
-              <a:spcBef>
-                <a:spcPts val="0"/>
-              </a:spcBef>
-              <a:spcAft>
-                <a:spcPts val="0"/>
-              </a:spcAft>
-              <a:buClr>
-                <a:schemeClr val="dk1"/>
-              </a:buClr>
-              <a:buSzPts val="1100"/>
-              <a:buFont typeface="Arial"/>
-              <a:buNone/>
-            </a:pPr>
-            <a:endParaRPr sz="1200">
-              <a:solidFill>
-                <a:schemeClr val="dk1"/>
-              </a:solidFill>
-              <a:latin typeface="Calibri"/>
-              <a:ea typeface="Calibri"/>
-              <a:cs typeface="Calibri"/>
-              <a:sym typeface="Calibri"/>
-            </a:endParaRPr>
-          </a:p>
-          <a:p>
-            <a:pPr marL="0" lvl="0" indent="0" algn="l" rtl="0">
-              <a:lnSpc>
-                <a:spcPct val="115000"/>
-              </a:lnSpc>
-              <a:spcBef>
-                <a:spcPts val="0"/>
-              </a:spcBef>
-              <a:spcAft>
-                <a:spcPts val="0"/>
-              </a:spcAft>
-              <a:buClr>
-                <a:schemeClr val="dk1"/>
-              </a:buClr>
-              <a:buSzPts val="1100"/>
-              <a:buFont typeface="Arial"/>
-              <a:buNone/>
-            </a:pPr>
-            <a:r>
-              <a:rPr lang="en" sz="1200">
-                <a:solidFill>
-                  <a:schemeClr val="dk1"/>
-                </a:solidFill>
-                <a:latin typeface="Calibri"/>
-                <a:ea typeface="Calibri"/>
-                <a:cs typeface="Calibri"/>
-                <a:sym typeface="Calibri"/>
-              </a:rPr>
-              <a:t>-&gt; could also ask about trading it in</a:t>
-            </a:r>
-            <a:endParaRPr sz="1200">
-              <a:solidFill>
-                <a:schemeClr val="dk1"/>
-              </a:solidFill>
-              <a:latin typeface="Calibri"/>
-              <a:ea typeface="Calibri"/>
-              <a:cs typeface="Calibri"/>
-              <a:sym typeface="Calibri"/>
-            </a:endParaRPr>
-          </a:p>
-          <a:p>
-            <a:pPr marL="0" lvl="0" indent="0" algn="l" rtl="0">
-              <a:lnSpc>
-                <a:spcPct val="115000"/>
-              </a:lnSpc>
-              <a:spcBef>
-                <a:spcPts val="0"/>
-              </a:spcBef>
-              <a:spcAft>
-                <a:spcPts val="0"/>
-              </a:spcAft>
-              <a:buClr>
-                <a:schemeClr val="dk1"/>
-              </a:buClr>
-              <a:buSzPts val="1100"/>
-              <a:buFont typeface="Arial"/>
-              <a:buNone/>
-            </a:pPr>
-            <a:endParaRPr>
-              <a:solidFill>
-                <a:schemeClr val="dk1"/>
-              </a:solidFill>
-            </a:endParaRPr>
-          </a:p>
-          <a:p>
-            <a:pPr marL="0" lvl="0" indent="0" algn="l" rtl="0">
-              <a:spcBef>
-                <a:spcPts val="0"/>
-              </a:spcBef>
-              <a:spcAft>
-                <a:spcPts val="0"/>
-              </a:spcAft>
-              <a:buNone/>
-            </a:pPr>
-            <a:r>
-              <a:rPr lang="en" sz="1050">
-                <a:solidFill>
-                  <a:srgbClr val="222222"/>
-                </a:solidFill>
-                <a:highlight>
-                  <a:srgbClr val="FFFFFF"/>
-                </a:highlight>
-              </a:rPr>
-              <a:t>people are more likely to retain an object they own than acquire that same object when they do not own it.</a:t>
-            </a:r>
-            <a:endParaRPr/>
           </a:p>
         </p:txBody>
       </p:sp>
@@ -7887,7 +7784,7 @@
         </p:nvSpPr>
         <p:spPr>
           <a:xfrm>
-            <a:off x="381300" y="685800"/>
+            <a:off x="381000" y="685800"/>
             <a:ext cx="6096000" cy="3429000"/>
           </a:xfrm>
           <a:custGeom>
@@ -7991,7 +7888,7 @@
         </p:nvSpPr>
         <p:spPr>
           <a:xfrm>
-            <a:off x="381300" y="685800"/>
+            <a:off x="381000" y="685800"/>
             <a:ext cx="6096000" cy="3429000"/>
           </a:xfrm>
           <a:custGeom>
@@ -8200,7 +8097,7 @@
         </p:nvSpPr>
         <p:spPr>
           <a:xfrm>
-            <a:off x="381300" y="685800"/>
+            <a:off x="381000" y="685800"/>
             <a:ext cx="6096000" cy="3429000"/>
           </a:xfrm>
           <a:custGeom>
